--- a/Slides/Psy524-11-Logistic Regression.pptx
+++ b/Slides/Psy524-11-Logistic Regression.pptx
@@ -5,7 +5,7 @@
     <p:sldMasterId id="2147483675" r:id="rId1"/>
   </p:sldMasterIdLst>
   <p:notesMasterIdLst>
-    <p:notesMasterId r:id="rId71"/>
+    <p:notesMasterId r:id="rId72"/>
   </p:notesMasterIdLst>
   <p:sldIdLst>
     <p:sldId id="256" r:id="rId2"/>
@@ -70,13 +70,14 @@
     <p:sldId id="316" r:id="rId61"/>
     <p:sldId id="317" r:id="rId62"/>
     <p:sldId id="318" r:id="rId63"/>
-    <p:sldId id="319" r:id="rId64"/>
-    <p:sldId id="320" r:id="rId65"/>
-    <p:sldId id="321" r:id="rId66"/>
-    <p:sldId id="322" r:id="rId67"/>
-    <p:sldId id="323" r:id="rId68"/>
-    <p:sldId id="324" r:id="rId69"/>
-    <p:sldId id="325" r:id="rId70"/>
+    <p:sldId id="326" r:id="rId64"/>
+    <p:sldId id="319" r:id="rId65"/>
+    <p:sldId id="320" r:id="rId66"/>
+    <p:sldId id="321" r:id="rId67"/>
+    <p:sldId id="322" r:id="rId68"/>
+    <p:sldId id="323" r:id="rId69"/>
+    <p:sldId id="324" r:id="rId70"/>
+    <p:sldId id="325" r:id="rId71"/>
   </p:sldIdLst>
   <p:sldSz cx="12192000" cy="6858000"/>
   <p:notesSz cx="6858000" cy="9144000"/>
@@ -306,7 +307,7 @@
           <a:p>
             <a:fld id="{AB04E12B-3817-4A3E-BF17-63CE9AB66363}" type="datetimeFigureOut">
               <a:rPr lang="en-US" smtClean="0"/>
-              <a:t>4/22/2019</a:t>
+              <a:t>4/29/2019</a:t>
             </a:fld>
             <a:endParaRPr lang="en-US"/>
           </a:p>
@@ -8072,7 +8073,7 @@
           <a:graphicData uri="http://schemas.openxmlformats.org/presentationml/2006/ole">
             <mc:AlternateContent xmlns:mc="http://schemas.openxmlformats.org/markup-compatibility/2006">
               <mc:Choice xmlns:v="urn:schemas-microsoft-com:vml" Requires="v">
-                <p:oleObj spid="_x0000_s49170" name="Worksheet" r:id="rId3" imgW="1581044" imgH="2104942" progId="Excel.Sheet.12">
+                <p:oleObj spid="_x0000_s49174" name="Worksheet" r:id="rId3" imgW="1581044" imgH="2104942" progId="Excel.Sheet.12">
                   <p:embed/>
                 </p:oleObj>
               </mc:Choice>
@@ -8129,7 +8130,7 @@
           <a:graphicData uri="http://schemas.openxmlformats.org/presentationml/2006/ole">
             <mc:AlternateContent xmlns:mc="http://schemas.openxmlformats.org/markup-compatibility/2006">
               <mc:Choice xmlns:v="urn:schemas-microsoft-com:vml" Requires="v">
-                <p:oleObj spid="_x0000_s49171" name="Worksheet" r:id="rId5" imgW="1619375" imgH="1914639" progId="Excel.Sheet.12">
+                <p:oleObj spid="_x0000_s49175" name="Worksheet" r:id="rId5" imgW="1619375" imgH="1914639" progId="Excel.Sheet.12">
                   <p:embed/>
                 </p:oleObj>
               </mc:Choice>
@@ -12347,7 +12348,7 @@
           <a:graphicData uri="http://schemas.openxmlformats.org/presentationml/2006/ole">
             <mc:AlternateContent xmlns:mc="http://schemas.openxmlformats.org/markup-compatibility/2006">
               <mc:Choice xmlns:v="urn:schemas-microsoft-com:vml" Requires="v">
-                <p:oleObj spid="_x0000_s22543" name="Equation" r:id="rId3" imgW="1346200" imgH="228600" progId="Equation.DSMT4">
+                <p:oleObj spid="_x0000_s22545" name="Equation" r:id="rId3" imgW="1346200" imgH="228600" progId="Equation.DSMT4">
                   <p:embed/>
                 </p:oleObj>
               </mc:Choice>
@@ -12530,7 +12531,7 @@
           <a:graphicData uri="http://schemas.openxmlformats.org/presentationml/2006/ole">
             <mc:AlternateContent xmlns:mc="http://schemas.openxmlformats.org/markup-compatibility/2006">
               <mc:Choice xmlns:v="urn:schemas-microsoft-com:vml" Requires="v">
-                <p:oleObj spid="_x0000_s23577" name="Equation" r:id="rId3" imgW="1295400" imgH="254000" progId="Equation.DSMT4">
+                <p:oleObj spid="_x0000_s23581" name="Equation" r:id="rId3" imgW="1295400" imgH="254000" progId="Equation.DSMT4">
                   <p:embed/>
                 </p:oleObj>
               </mc:Choice>
@@ -12860,7 +12861,7 @@
           <a:graphicData uri="http://schemas.openxmlformats.org/presentationml/2006/ole">
             <mc:AlternateContent xmlns:mc="http://schemas.openxmlformats.org/markup-compatibility/2006">
               <mc:Choice xmlns:v="urn:schemas-microsoft-com:vml" Requires="v">
-                <p:oleObj spid="_x0000_s23578" name="Equation" r:id="rId5" imgW="1091726" imgH="241195" progId="Equation.DSMT4">
+                <p:oleObj spid="_x0000_s23582" name="Equation" r:id="rId5" imgW="1091726" imgH="241195" progId="Equation.DSMT4">
                   <p:embed/>
                 </p:oleObj>
               </mc:Choice>
@@ -13102,7 +13103,7 @@
           <a:graphicData uri="http://schemas.openxmlformats.org/presentationml/2006/ole">
             <mc:AlternateContent xmlns:mc="http://schemas.openxmlformats.org/markup-compatibility/2006">
               <mc:Choice xmlns:v="urn:schemas-microsoft-com:vml" Requires="v">
-                <p:oleObj spid="_x0000_s24607" name="Equation" r:id="rId3" imgW="368140" imgH="203112" progId="Equation.DSMT4">
+                <p:oleObj spid="_x0000_s24613" name="Equation" r:id="rId3" imgW="368140" imgH="203112" progId="Equation.DSMT4">
                   <p:embed/>
                 </p:oleObj>
               </mc:Choice>
@@ -13238,7 +13239,7 @@
           <a:graphicData uri="http://schemas.openxmlformats.org/presentationml/2006/ole">
             <mc:AlternateContent xmlns:mc="http://schemas.openxmlformats.org/markup-compatibility/2006">
               <mc:Choice xmlns:v="urn:schemas-microsoft-com:vml" Requires="v">
-                <p:oleObj spid="_x0000_s24608" name="Equation" r:id="rId5" imgW="317087" imgH="177569" progId="Equation.DSMT4">
+                <p:oleObj spid="_x0000_s24614" name="Equation" r:id="rId5" imgW="317087" imgH="177569" progId="Equation.DSMT4">
                   <p:embed/>
                 </p:oleObj>
               </mc:Choice>
@@ -13374,7 +13375,7 @@
           <a:graphicData uri="http://schemas.openxmlformats.org/presentationml/2006/ole">
             <mc:AlternateContent xmlns:mc="http://schemas.openxmlformats.org/markup-compatibility/2006">
               <mc:Choice xmlns:v="urn:schemas-microsoft-com:vml" Requires="v">
-                <p:oleObj spid="_x0000_s24609" name="Equation" r:id="rId7" imgW="355138" imgH="177569" progId="Equation.DSMT4">
+                <p:oleObj spid="_x0000_s24615" name="Equation" r:id="rId7" imgW="355138" imgH="177569" progId="Equation.DSMT4">
                   <p:embed/>
                 </p:oleObj>
               </mc:Choice>
@@ -14012,7 +14013,7 @@
           <a:graphicData uri="http://schemas.openxmlformats.org/presentationml/2006/ole">
             <mc:AlternateContent xmlns:mc="http://schemas.openxmlformats.org/markup-compatibility/2006">
               <mc:Choice xmlns:v="urn:schemas-microsoft-com:vml" Requires="v">
-                <p:oleObj spid="_x0000_s31766" name="Equation" r:id="rId3" imgW="647700" imgH="419100" progId="Equation.DSMT4">
+                <p:oleObj spid="_x0000_s31770" name="Equation" r:id="rId3" imgW="647700" imgH="419100" progId="Equation.DSMT4">
                   <p:embed/>
                 </p:oleObj>
               </mc:Choice>
@@ -14148,7 +14149,7 @@
           <a:graphicData uri="http://schemas.openxmlformats.org/presentationml/2006/ole">
             <mc:AlternateContent xmlns:mc="http://schemas.openxmlformats.org/markup-compatibility/2006">
               <mc:Choice xmlns:v="urn:schemas-microsoft-com:vml" Requires="v">
-                <p:oleObj spid="_x0000_s31767" name="Equation" r:id="rId5" imgW="2044700" imgH="228600" progId="Equation.DSMT4">
+                <p:oleObj spid="_x0000_s31771" name="Equation" r:id="rId5" imgW="2044700" imgH="228600" progId="Equation.DSMT4">
                   <p:embed/>
                 </p:oleObj>
               </mc:Choice>
@@ -14458,7 +14459,7 @@
           <a:graphicData uri="http://schemas.openxmlformats.org/presentationml/2006/ole">
             <mc:AlternateContent xmlns:mc="http://schemas.openxmlformats.org/markup-compatibility/2006">
               <mc:Choice xmlns:v="urn:schemas-microsoft-com:vml" Requires="v">
-                <p:oleObj spid="_x0000_s32781" name="Equation" r:id="rId3" imgW="927100" imgH="419100" progId="Equation.DSMT4">
+                <p:oleObj spid="_x0000_s32783" name="Equation" r:id="rId3" imgW="927100" imgH="419100" progId="Equation.DSMT4">
                   <p:embed/>
                 </p:oleObj>
               </mc:Choice>
@@ -14974,7 +14975,7 @@
           <a:graphicData uri="http://schemas.openxmlformats.org/presentationml/2006/ole">
             <mc:AlternateContent xmlns:mc="http://schemas.openxmlformats.org/markup-compatibility/2006">
               <mc:Choice xmlns:v="urn:schemas-microsoft-com:vml" Requires="v">
-                <p:oleObj spid="_x0000_s35854" name="Equation" r:id="rId3" imgW="279279" imgH="431613" progId="Equation.DSMT4">
+                <p:oleObj spid="_x0000_s35856" name="Equation" r:id="rId3" imgW="279279" imgH="431613" progId="Equation.DSMT4">
                   <p:embed/>
                 </p:oleObj>
               </mc:Choice>
@@ -15511,7 +15512,7 @@
           <a:graphicData uri="http://schemas.openxmlformats.org/presentationml/2006/ole">
             <mc:AlternateContent xmlns:mc="http://schemas.openxmlformats.org/markup-compatibility/2006">
               <mc:Choice xmlns:v="urn:schemas-microsoft-com:vml" Requires="v">
-                <p:oleObj spid="_x0000_s40972" name="Equation" r:id="rId3" imgW="2971800" imgH="482600" progId="Equation.DSMT4">
+                <p:oleObj spid="_x0000_s40974" name="Equation" r:id="rId3" imgW="2971800" imgH="482600" progId="Equation.DSMT4">
                   <p:embed/>
                 </p:oleObj>
               </mc:Choice>
@@ -15846,7 +15847,7 @@
           <a:graphicData uri="http://schemas.openxmlformats.org/presentationml/2006/ole">
             <mc:AlternateContent xmlns:mc="http://schemas.openxmlformats.org/markup-compatibility/2006">
               <mc:Choice xmlns:v="urn:schemas-microsoft-com:vml" Requires="v">
-                <p:oleObj spid="_x0000_s43021" name="Equation" r:id="rId3" imgW="2844800" imgH="457200" progId="Equation.DSMT4">
+                <p:oleObj spid="_x0000_s43023" name="Equation" r:id="rId3" imgW="2844800" imgH="457200" progId="Equation.DSMT4">
                   <p:embed/>
                 </p:oleObj>
               </mc:Choice>
@@ -16153,7 +16154,7 @@
           <a:graphicData uri="http://schemas.openxmlformats.org/presentationml/2006/ole">
             <mc:AlternateContent xmlns:mc="http://schemas.openxmlformats.org/markup-compatibility/2006">
               <mc:Choice xmlns:v="urn:schemas-microsoft-com:vml" Requires="v">
-                <p:oleObj spid="_x0000_s44044" name="Equation" r:id="rId3" imgW="2413000" imgH="457200" progId="Equation.DSMT4">
+                <p:oleObj spid="_x0000_s44046" name="Equation" r:id="rId3" imgW="2413000" imgH="457200" progId="Equation.DSMT4">
                   <p:embed/>
                 </p:oleObj>
               </mc:Choice>
@@ -16782,7 +16783,7 @@
           <a:graphicData uri="http://schemas.openxmlformats.org/presentationml/2006/ole">
             <mc:AlternateContent xmlns:mc="http://schemas.openxmlformats.org/markup-compatibility/2006">
               <mc:Choice xmlns:v="urn:schemas-microsoft-com:vml" Requires="v">
-                <p:oleObj spid="_x0000_s50181" name="Equation" r:id="rId3" imgW="1422400" imgH="419100" progId="Equation.DSMT4">
+                <p:oleObj spid="_x0000_s50183" name="Equation" r:id="rId3" imgW="1422400" imgH="419100" progId="Equation.DSMT4">
                   <p:embed/>
                 </p:oleObj>
               </mc:Choice>
@@ -17521,7 +17522,7 @@
           <a:graphicData uri="http://schemas.openxmlformats.org/presentationml/2006/ole">
             <mc:AlternateContent xmlns:mc="http://schemas.openxmlformats.org/markup-compatibility/2006">
               <mc:Choice xmlns:v="urn:schemas-microsoft-com:vml" Requires="v">
-                <p:oleObj spid="_x0000_s51205" name="Equation" r:id="rId3" imgW="685502" imgH="495085" progId="Equation.DSMT4">
+                <p:oleObj spid="_x0000_s51207" name="Equation" r:id="rId3" imgW="685502" imgH="495085" progId="Equation.DSMT4">
                   <p:embed/>
                 </p:oleObj>
               </mc:Choice>
@@ -17669,7 +17670,7 @@
           <a:graphicData uri="http://schemas.openxmlformats.org/presentationml/2006/ole">
             <mc:AlternateContent xmlns:mc="http://schemas.openxmlformats.org/markup-compatibility/2006">
               <mc:Choice xmlns:v="urn:schemas-microsoft-com:vml" Requires="v">
-                <p:oleObj spid="_x0000_s52229" name="Worksheet" r:id="rId3" imgW="3676595" imgH="1209572" progId="Excel.Sheet.12">
+                <p:oleObj spid="_x0000_s52231" name="Worksheet" r:id="rId3" imgW="3676595" imgH="1209572" progId="Excel.Sheet.12">
                   <p:embed/>
                 </p:oleObj>
               </mc:Choice>
@@ -18214,7 +18215,7 @@
           <a:p>
             <a:r>
               <a:rPr lang="en-US" altLang="en-US" dirty="0"/>
-              <a:t>The tests of the coefficients are approximate z-scores so they are tested as z-scores.  None of the coefficients are significant in the sample data.</a:t>
+              <a:t>The tests of the coefficients are approximate Chi-square so they are tested as chi-squares.  None of the coefficients are significant in the sample data.</a:t>
             </a:r>
           </a:p>
           <a:p>
@@ -18359,7 +18360,7 @@
           <a:graphicData uri="http://schemas.openxmlformats.org/presentationml/2006/ole">
             <mc:AlternateContent xmlns:mc="http://schemas.openxmlformats.org/markup-compatibility/2006">
               <mc:Choice xmlns:v="urn:schemas-microsoft-com:vml" Requires="v">
-                <p:oleObj spid="_x0000_s53253" name="Equation" r:id="rId3" imgW="2908300" imgH="431800" progId="Equation.DSMT4">
+                <p:oleObj spid="_x0000_s53255" name="Equation" r:id="rId3" imgW="2908300" imgH="431800" progId="Equation.DSMT4">
                   <p:embed/>
                 </p:oleObj>
               </mc:Choice>
@@ -18525,7 +18526,7 @@
           <a:graphicData uri="http://schemas.openxmlformats.org/presentationml/2006/ole">
             <mc:AlternateContent xmlns:mc="http://schemas.openxmlformats.org/markup-compatibility/2006">
               <mc:Choice xmlns:v="urn:schemas-microsoft-com:vml" Requires="v">
-                <p:oleObj spid="_x0000_s54277" name="Equation" r:id="rId3" imgW="4737100" imgH="228600" progId="Equation.DSMT4">
+                <p:oleObj spid="_x0000_s54279" name="Equation" r:id="rId3" imgW="4737100" imgH="228600" progId="Equation.DSMT4">
                   <p:embed/>
                 </p:oleObj>
               </mc:Choice>
@@ -18818,7 +18819,7 @@
           <a:graphicData uri="http://schemas.openxmlformats.org/presentationml/2006/ole">
             <mc:AlternateContent xmlns:mc="http://schemas.openxmlformats.org/markup-compatibility/2006">
               <mc:Choice xmlns:v="urn:schemas-microsoft-com:vml" Requires="v">
-                <p:oleObj spid="_x0000_s55301" name="Worksheet" r:id="rId3" imgW="5257908" imgH="3648152" progId="Excel.Sheet.12">
+                <p:oleObj spid="_x0000_s55303" name="Worksheet" r:id="rId3" imgW="5257908" imgH="3648152" progId="Excel.Sheet.12">
                   <p:embed/>
                 </p:oleObj>
               </mc:Choice>
@@ -18901,7 +18902,7 @@
           <a:graphicData uri="http://schemas.openxmlformats.org/presentationml/2006/ole">
             <mc:AlternateContent xmlns:mc="http://schemas.openxmlformats.org/markup-compatibility/2006">
               <mc:Choice xmlns:v="urn:schemas-microsoft-com:vml" Requires="v">
-                <p:oleObj spid="_x0000_s56325" name="Worksheet" r:id="rId3" imgW="6905627" imgH="3648152" progId="Excel.Sheet.12">
+                <p:oleObj spid="_x0000_s56327" name="Worksheet" r:id="rId3" imgW="6905627" imgH="3648152" progId="Excel.Sheet.12">
                   <p:embed/>
                 </p:oleObj>
               </mc:Choice>
@@ -19788,7 +19789,7 @@
 </file>
 
 <file path=ppt/slides/slide62.xml><?xml version="1.0" encoding="utf-8"?>
-<p:sld xmlns:a="http://schemas.openxmlformats.org/drawingml/2006/main" xmlns:r="http://schemas.openxmlformats.org/officeDocument/2006/relationships" xmlns:p="http://schemas.openxmlformats.org/presentationml/2006/main">
+<p:sld xmlns:a="http://schemas.openxmlformats.org/drawingml/2006/main" xmlns:r="http://schemas.openxmlformats.org/officeDocument/2006/relationships" xmlns:p="http://schemas.openxmlformats.org/presentationml/2006/main" showMasterSp="0">
   <p:cSld>
     <p:spTree>
       <p:nvGrpSpPr>
@@ -19826,102 +19827,272 @@
           </a:p>
         </p:txBody>
       </p:sp>
-      <p:sp>
-        <p:nvSpPr>
-          <p:cNvPr id="35843" name="Rectangle 3"/>
-          <p:cNvSpPr>
-            <a:spLocks noGrp="1" noChangeArrowheads="1"/>
-          </p:cNvSpPr>
-          <p:nvPr>
-            <p:ph sz="quarter" idx="13"/>
-          </p:nvPr>
-        </p:nvSpPr>
-        <p:spPr>
-          <a:xfrm>
-            <a:off x="685800" y="1600200"/>
-            <a:ext cx="10820400" cy="4038600"/>
-          </a:xfrm>
-        </p:spPr>
-        <p:txBody>
-          <a:bodyPr>
-            <a:normAutofit fontScale="70000" lnSpcReduction="20000"/>
-          </a:bodyPr>
-          <a:lstStyle/>
-          <a:p>
-            <a:r>
-              <a:rPr lang="en-US" altLang="en-US" dirty="0"/>
-              <a:t>Deciles of risk</a:t>
-            </a:r>
-          </a:p>
-          <a:p>
-            <a:pPr lvl="1"/>
-            <a:r>
-              <a:rPr lang="en-US" altLang="en-US" dirty="0"/>
-              <a:t>Step 1: Subjects are ordered on there predicted probability</a:t>
-            </a:r>
-          </a:p>
-          <a:p>
-            <a:pPr lvl="1"/>
-            <a:r>
-              <a:rPr lang="en-US" altLang="en-US" dirty="0"/>
-              <a:t>Step 2: Subjects are divided into 10 groups based on the probabilities (all subjects with .1o or lower in lowest decile, .9 or higher in the highest decile, etc.)</a:t>
-            </a:r>
-          </a:p>
-          <a:p>
-            <a:pPr lvl="1"/>
-            <a:r>
-              <a:rPr lang="en-US" altLang="en-US" dirty="0"/>
-              <a:t>Step 3: Divide subjects into groups according to their actual outcome (e.g. fall or no fall) creating a 2 X 10 matrix of observed frequencies for the example data.</a:t>
-            </a:r>
-          </a:p>
-          <a:p>
-            <a:pPr lvl="1"/>
-            <a:r>
-              <a:rPr lang="en-US" altLang="en-US" dirty="0"/>
-              <a:t>Step 4: Expected frequencies are calculated and the observed frequencies are compared to the expected frequencies in a chi-square test.  Fit is indicated by a non-significant chi-square.</a:t>
-            </a:r>
-          </a:p>
-          <a:p>
-            <a:pPr lvl="1"/>
-            <a:r>
-              <a:rPr lang="en-US" altLang="en-US" dirty="0"/>
-              <a:t>In SPSS this is given by the Hosmer-</a:t>
-            </a:r>
-            <a:r>
-              <a:rPr lang="en-US" altLang="en-US" dirty="0" err="1"/>
-              <a:t>Lemeshow</a:t>
-            </a:r>
-            <a:r>
-              <a:rPr lang="en-US" altLang="en-US" dirty="0"/>
-              <a:t> test.</a:t>
-            </a:r>
-          </a:p>
-        </p:txBody>
-      </p:sp>
-      <p:sp>
-        <p:nvSpPr>
-          <p:cNvPr id="6" name="Slide Number Placeholder 5"/>
-          <p:cNvSpPr>
-            <a:spLocks noGrp="1"/>
-          </p:cNvSpPr>
-          <p:nvPr>
-            <p:ph type="sldNum" sz="quarter" idx="12"/>
-          </p:nvPr>
-        </p:nvSpPr>
-        <p:spPr/>
-        <p:txBody>
-          <a:bodyPr/>
-          <a:lstStyle/>
-          <a:p>
-            <a:fld id="{69683EBA-EAF2-4603-AF7F-D610100756F9}" type="slidenum">
-              <a:rPr lang="en-US" altLang="en-US" smtClean="0"/>
-              <a:pPr/>
-              <a:t>62</a:t>
-            </a:fld>
-            <a:endParaRPr lang="en-US" altLang="en-US"/>
-          </a:p>
-        </p:txBody>
-      </p:sp>
+      <mc:AlternateContent xmlns:mc="http://schemas.openxmlformats.org/markup-compatibility/2006">
+        <mc:Choice xmlns:a14="http://schemas.microsoft.com/office/drawing/2010/main" Requires="a14">
+          <p:sp>
+            <p:nvSpPr>
+              <p:cNvPr id="35843" name="Rectangle 3"/>
+              <p:cNvSpPr>
+                <a:spLocks noGrp="1" noChangeArrowheads="1"/>
+              </p:cNvSpPr>
+              <p:nvPr>
+                <p:ph sz="quarter" idx="13"/>
+              </p:nvPr>
+            </p:nvSpPr>
+            <p:spPr>
+              <a:xfrm>
+                <a:off x="685800" y="1600200"/>
+                <a:ext cx="11277600" cy="5105400"/>
+              </a:xfrm>
+            </p:spPr>
+            <p:txBody>
+              <a:bodyPr>
+                <a:noAutofit/>
+              </a:bodyPr>
+              <a:lstStyle/>
+              <a:p>
+                <a:r>
+                  <a:rPr lang="en-US" altLang="en-US" sz="2000" dirty="0"/>
+                  <a:t>Deciles of risk/Hosmer-</a:t>
+                </a:r>
+                <a:r>
+                  <a:rPr lang="en-US" altLang="en-US" sz="2000" dirty="0" err="1"/>
+                  <a:t>Lemeshow</a:t>
+                </a:r>
+                <a:r>
+                  <a:rPr lang="en-US" altLang="en-US" sz="2000" dirty="0"/>
+                  <a:t> test</a:t>
+                </a:r>
+              </a:p>
+              <a:p>
+                <a:pPr lvl="1"/>
+                <a:r>
+                  <a:rPr lang="en-US" altLang="en-US" sz="1800" dirty="0"/>
+                  <a:t>Step 1: Subjects are ordered on there predicted probability</a:t>
+                </a:r>
+              </a:p>
+              <a:p>
+                <a:pPr lvl="1"/>
+                <a:r>
+                  <a:rPr lang="en-US" altLang="en-US" sz="1800" dirty="0"/>
+                  <a:t>Step 2: Subjects are divided into 10 (roughly) equal groups based on the probabilities</a:t>
+                </a:r>
+              </a:p>
+              <a:p>
+                <a:pPr lvl="1"/>
+                <a:r>
+                  <a:rPr lang="en-US" altLang="en-US" sz="1800" dirty="0"/>
+                  <a:t>Step 3: Divide subjects into groups according to their actual outcome (e.g. fall or no fall) creating a 2 X 10 matrix of observed frequencies for the example data.</a:t>
+                </a:r>
+              </a:p>
+              <a:p>
+                <a:pPr lvl="1"/>
+                <a:r>
+                  <a:rPr lang="en-US" altLang="en-US" sz="1800" dirty="0"/>
+                  <a:t>Step 4: Sum Predicted Probabilities in each group.  This is the expected frequency for the “success” group.  </a:t>
+                </a:r>
+              </a:p>
+              <a:p>
+                <a:pPr lvl="1"/>
+                <a:r>
+                  <a:rPr lang="en-US" altLang="en-US" sz="1800" dirty="0"/>
+                  <a:t>Step 5: take the total frequency in each group and subtract the expected “success” frequency from step 4.  this is the expected frequency for the ‘failure” group. </a:t>
+                </a:r>
+              </a:p>
+              <a:p>
+                <a:pPr lvl="1"/>
+                <a:r>
+                  <a:rPr lang="en-US" altLang="en-US" sz="1800" dirty="0"/>
+                  <a:t>Step 6: the observed frequencies are compared to the expected frequencies in a chi-square test goodness-of-fit test		</a:t>
+                </a:r>
+              </a:p>
+              <a:p>
+                <a:pPr lvl="2"/>
+                <a14:m>
+                  <m:oMath xmlns:m="http://schemas.openxmlformats.org/officeDocument/2006/math">
+                    <m:sSup>
+                      <m:sSupPr>
+                        <m:ctrlPr>
+                          <a:rPr lang="en-US" altLang="en-US" sz="1600" i="1" smtClean="0">
+                            <a:latin typeface="Cambria Math" panose="02040503050406030204" pitchFamily="18" charset="0"/>
+                            <a:ea typeface="Cambria Math" panose="02040503050406030204" pitchFamily="18" charset="0"/>
+                          </a:rPr>
+                        </m:ctrlPr>
+                      </m:sSupPr>
+                      <m:e>
+                        <m:r>
+                          <a:rPr lang="en-US" altLang="en-US" sz="1600" i="1" smtClean="0">
+                            <a:latin typeface="Cambria Math" panose="02040503050406030204" pitchFamily="18" charset="0"/>
+                            <a:ea typeface="Cambria Math" panose="02040503050406030204" pitchFamily="18" charset="0"/>
+                          </a:rPr>
+                          <m:t>𝜒</m:t>
+                        </m:r>
+                      </m:e>
+                      <m:sup>
+                        <m:r>
+                          <a:rPr lang="en-US" altLang="en-US" sz="1600" b="0" i="1" smtClean="0">
+                            <a:latin typeface="Cambria Math" panose="02040503050406030204" pitchFamily="18" charset="0"/>
+                            <a:ea typeface="Cambria Math" panose="02040503050406030204" pitchFamily="18" charset="0"/>
+                          </a:rPr>
+                          <m:t>2</m:t>
+                        </m:r>
+                      </m:sup>
+                    </m:sSup>
+                    <m:r>
+                      <a:rPr lang="en-US" altLang="en-US" sz="1600" b="0" i="1" smtClean="0">
+                        <a:latin typeface="Cambria Math" panose="02040503050406030204" pitchFamily="18" charset="0"/>
+                        <a:ea typeface="Cambria Math" panose="02040503050406030204" pitchFamily="18" charset="0"/>
+                      </a:rPr>
+                      <m:t>=</m:t>
+                    </m:r>
+                    <m:nary>
+                      <m:naryPr>
+                        <m:chr m:val="∑"/>
+                        <m:subHide m:val="on"/>
+                        <m:supHide m:val="on"/>
+                        <m:ctrlPr>
+                          <a:rPr lang="en-US" altLang="en-US" sz="1600" b="0" i="1" smtClean="0">
+                            <a:latin typeface="Cambria Math" panose="02040503050406030204" pitchFamily="18" charset="0"/>
+                            <a:ea typeface="Cambria Math" panose="02040503050406030204" pitchFamily="18" charset="0"/>
+                          </a:rPr>
+                        </m:ctrlPr>
+                      </m:naryPr>
+                      <m:sub/>
+                      <m:sup/>
+                      <m:e>
+                        <m:f>
+                          <m:fPr>
+                            <m:ctrlPr>
+                              <a:rPr lang="en-US" altLang="en-US" sz="1600" b="0" i="1" smtClean="0">
+                                <a:latin typeface="Cambria Math" panose="02040503050406030204" pitchFamily="18" charset="0"/>
+                                <a:ea typeface="Cambria Math" panose="02040503050406030204" pitchFamily="18" charset="0"/>
+                              </a:rPr>
+                            </m:ctrlPr>
+                          </m:fPr>
+                          <m:num>
+                            <m:sSup>
+                              <m:sSupPr>
+                                <m:ctrlPr>
+                                  <a:rPr lang="en-US" altLang="en-US" sz="1600" b="0" i="1" smtClean="0">
+                                    <a:latin typeface="Cambria Math" panose="02040503050406030204" pitchFamily="18" charset="0"/>
+                                    <a:ea typeface="Cambria Math" panose="02040503050406030204" pitchFamily="18" charset="0"/>
+                                  </a:rPr>
+                                </m:ctrlPr>
+                              </m:sSupPr>
+                              <m:e>
+                                <m:d>
+                                  <m:dPr>
+                                    <m:ctrlPr>
+                                      <a:rPr lang="en-US" altLang="en-US" sz="1600" b="0" i="1" smtClean="0">
+                                        <a:latin typeface="Cambria Math" panose="02040503050406030204" pitchFamily="18" charset="0"/>
+                                        <a:ea typeface="Cambria Math" panose="02040503050406030204" pitchFamily="18" charset="0"/>
+                                      </a:rPr>
+                                    </m:ctrlPr>
+                                  </m:dPr>
+                                  <m:e>
+                                    <m:r>
+                                      <a:rPr lang="en-US" altLang="en-US" sz="1600" b="0" i="1" smtClean="0">
+                                        <a:latin typeface="Cambria Math" panose="02040503050406030204" pitchFamily="18" charset="0"/>
+                                        <a:ea typeface="Cambria Math" panose="02040503050406030204" pitchFamily="18" charset="0"/>
+                                      </a:rPr>
+                                      <m:t>𝑂</m:t>
+                                    </m:r>
+                                    <m:r>
+                                      <a:rPr lang="en-US" altLang="en-US" sz="1600" b="0" i="1" smtClean="0">
+                                        <a:latin typeface="Cambria Math" panose="02040503050406030204" pitchFamily="18" charset="0"/>
+                                        <a:ea typeface="Cambria Math" panose="02040503050406030204" pitchFamily="18" charset="0"/>
+                                      </a:rPr>
+                                      <m:t>−</m:t>
+                                    </m:r>
+                                    <m:r>
+                                      <a:rPr lang="en-US" altLang="en-US" sz="1600" b="0" i="1" smtClean="0">
+                                        <a:latin typeface="Cambria Math" panose="02040503050406030204" pitchFamily="18" charset="0"/>
+                                        <a:ea typeface="Cambria Math" panose="02040503050406030204" pitchFamily="18" charset="0"/>
+                                      </a:rPr>
+                                      <m:t>𝐸</m:t>
+                                    </m:r>
+                                  </m:e>
+                                </m:d>
+                              </m:e>
+                              <m:sup>
+                                <m:r>
+                                  <a:rPr lang="en-US" altLang="en-US" sz="1600" b="0" i="1" smtClean="0">
+                                    <a:latin typeface="Cambria Math" panose="02040503050406030204" pitchFamily="18" charset="0"/>
+                                    <a:ea typeface="Cambria Math" panose="02040503050406030204" pitchFamily="18" charset="0"/>
+                                  </a:rPr>
+                                  <m:t>2</m:t>
+                                </m:r>
+                              </m:sup>
+                            </m:sSup>
+                          </m:num>
+                          <m:den>
+                            <m:r>
+                              <a:rPr lang="en-US" altLang="en-US" sz="1600" b="0" i="1" smtClean="0">
+                                <a:latin typeface="Cambria Math" panose="02040503050406030204" pitchFamily="18" charset="0"/>
+                                <a:ea typeface="Cambria Math" panose="02040503050406030204" pitchFamily="18" charset="0"/>
+                              </a:rPr>
+                              <m:t>𝐸</m:t>
+                            </m:r>
+                          </m:den>
+                        </m:f>
+                      </m:e>
+                    </m:nary>
+                  </m:oMath>
+                </a14:m>
+                <a:endParaRPr lang="en-US" altLang="en-US" sz="1100" dirty="0"/>
+              </a:p>
+              <a:p>
+                <a:pPr lvl="2"/>
+                <a:r>
+                  <a:rPr lang="en-US" altLang="en-US" sz="1600" dirty="0"/>
+                  <a:t>Fit is indicated by a non-significant chi-square with df = #group – 2 (typically 8 if using 10 groups</a:t>
+                </a:r>
+              </a:p>
+              <a:p>
+                <a:pPr lvl="2"/>
+                <a:endParaRPr lang="en-US" altLang="en-US" sz="1600" dirty="0"/>
+              </a:p>
+            </p:txBody>
+          </p:sp>
+        </mc:Choice>
+        <mc:Fallback>
+          <p:sp>
+            <p:nvSpPr>
+              <p:cNvPr id="35843" name="Rectangle 3"/>
+              <p:cNvSpPr>
+                <a:spLocks noGrp="1" noRot="1" noChangeAspect="1" noMove="1" noResize="1" noEditPoints="1" noAdjustHandles="1" noChangeArrowheads="1" noChangeShapeType="1" noTextEdit="1"/>
+              </p:cNvSpPr>
+              <p:nvPr>
+                <p:ph sz="quarter" idx="13"/>
+              </p:nvPr>
+            </p:nvSpPr>
+            <p:spPr>
+              <a:xfrm>
+                <a:off x="685800" y="1600200"/>
+                <a:ext cx="11277600" cy="5105400"/>
+              </a:xfrm>
+              <a:blipFill>
+                <a:blip r:embed="rId2"/>
+                <a:stretch>
+                  <a:fillRect l="-1243" t="-2389" r="-703"/>
+                </a:stretch>
+              </a:blipFill>
+            </p:spPr>
+            <p:txBody>
+              <a:bodyPr/>
+              <a:lstStyle/>
+              <a:p>
+                <a:r>
+                  <a:rPr lang="en-US">
+                    <a:noFill/>
+                  </a:rPr>
+                  <a:t> </a:t>
+                </a:r>
+              </a:p>
+            </p:txBody>
+          </p:sp>
+        </mc:Fallback>
+      </mc:AlternateContent>
     </p:spTree>
     <p:extLst>
       <p:ext uri="{BB962C8B-B14F-4D97-AF65-F5344CB8AC3E}">
@@ -19954,7 +20125,7 @@
       </p:grpSpPr>
       <p:sp>
         <p:nvSpPr>
-          <p:cNvPr id="36866" name="Rectangle 2"/>
+          <p:cNvPr id="35842" name="Rectangle 2"/>
           <p:cNvSpPr>
             <a:spLocks noGrp="1" noChangeArrowheads="1"/>
           </p:cNvSpPr>
@@ -19969,42 +20140,14 @@
           <a:p>
             <a:r>
               <a:rPr lang="en-US" altLang="en-US"/>
-              <a:t>Test of individual predictors</a:t>
-            </a:r>
-          </a:p>
-        </p:txBody>
-      </p:sp>
-      <p:sp>
-        <p:nvSpPr>
-          <p:cNvPr id="36867" name="Rectangle 3"/>
-          <p:cNvSpPr>
-            <a:spLocks noGrp="1" noChangeArrowheads="1"/>
-          </p:cNvSpPr>
-          <p:nvPr>
-            <p:ph sz="quarter" idx="13"/>
-          </p:nvPr>
-        </p:nvSpPr>
-        <p:spPr/>
-        <p:txBody>
-          <a:bodyPr/>
-          <a:lstStyle/>
-          <a:p>
-            <a:r>
-              <a:rPr lang="en-US" altLang="en-US" sz="2800" dirty="0"/>
-              <a:t>The Wald test is usually used to assess the significance of prediction of each predictor</a:t>
-            </a:r>
-          </a:p>
-          <a:p>
-            <a:r>
-              <a:rPr lang="en-US" altLang="en-US" sz="2800" dirty="0"/>
-              <a:t>The Wald test is known to be overly conservative (increased type II error) and when a predictor is multinomial it does not give a test of the whole predictor but only the dummy coded versions of the predictor.</a:t>
-            </a:r>
-          </a:p>
-        </p:txBody>
-      </p:sp>
-      <p:sp>
-        <p:nvSpPr>
-          <p:cNvPr id="8" name="Slide Number Placeholder 7"/>
+              <a:t>Inferential Tests</a:t>
+            </a:r>
+          </a:p>
+        </p:txBody>
+      </p:sp>
+      <p:sp>
+        <p:nvSpPr>
+          <p:cNvPr id="6" name="Slide Number Placeholder 5"/>
           <p:cNvSpPr>
             <a:spLocks noGrp="1"/>
           </p:cNvSpPr>
@@ -20026,10 +20169,101 @@
           </a:p>
         </p:txBody>
       </p:sp>
+      <p:pic>
+        <p:nvPicPr>
+          <p:cNvPr id="7" name="Picture 6">
+            <a:extLst>
+              <a:ext uri="{FF2B5EF4-FFF2-40B4-BE49-F238E27FC236}">
+                <a16:creationId xmlns:a16="http://schemas.microsoft.com/office/drawing/2014/main" id="{70DC0E9F-247C-4DDC-A6DD-F4B6353C6365}"/>
+              </a:ext>
+            </a:extLst>
+          </p:cNvPr>
+          <p:cNvPicPr>
+            <a:picLocks noChangeAspect="1"/>
+          </p:cNvPicPr>
+          <p:nvPr/>
+        </p:nvPicPr>
+        <p:blipFill>
+          <a:blip r:embed="rId2"/>
+          <a:stretch>
+            <a:fillRect/>
+          </a:stretch>
+        </p:blipFill>
+        <p:spPr>
+          <a:xfrm>
+            <a:off x="7178358" y="1633257"/>
+            <a:ext cx="4419600" cy="2257425"/>
+          </a:xfrm>
+          <a:prstGeom prst="rect">
+            <a:avLst/>
+          </a:prstGeom>
+        </p:spPr>
+      </p:pic>
+      <p:sp>
+        <p:nvSpPr>
+          <p:cNvPr id="10" name="Rectangle 3">
+            <a:extLst>
+              <a:ext uri="{FF2B5EF4-FFF2-40B4-BE49-F238E27FC236}">
+                <a16:creationId xmlns:a16="http://schemas.microsoft.com/office/drawing/2014/main" id="{11D904FB-6D3A-46C5-8E65-E2292F8E7F79}"/>
+              </a:ext>
+            </a:extLst>
+          </p:cNvPr>
+          <p:cNvSpPr>
+            <a:spLocks noGrp="1" noChangeArrowheads="1"/>
+          </p:cNvSpPr>
+          <p:nvPr>
+            <p:ph sz="quarter" idx="13"/>
+          </p:nvPr>
+        </p:nvSpPr>
+        <p:spPr>
+          <a:xfrm>
+            <a:off x="685800" y="1600200"/>
+            <a:ext cx="6400800" cy="4343400"/>
+          </a:xfrm>
+        </p:spPr>
+        <p:txBody>
+          <a:bodyPr>
+            <a:normAutofit fontScale="85000" lnSpcReduction="10000"/>
+          </a:bodyPr>
+          <a:lstStyle/>
+          <a:p>
+            <a:r>
+              <a:rPr lang="en-US" altLang="en-US" dirty="0" err="1"/>
+              <a:t>spss</a:t>
+            </a:r>
+            <a:endParaRPr lang="en-US" altLang="en-US" dirty="0"/>
+          </a:p>
+          <a:p>
+            <a:pPr lvl="1"/>
+            <a:r>
+              <a:rPr lang="en-US" altLang="en-US" dirty="0"/>
+              <a:t>H-L test used only 7 groups because only 15 respondents</a:t>
+            </a:r>
+          </a:p>
+          <a:p>
+            <a:pPr lvl="1"/>
+            <a:r>
+              <a:rPr lang="en-US" altLang="en-US" dirty="0"/>
+              <a:t>The fall = Yes expected is simply the sum of the predicted probability</a:t>
+            </a:r>
+          </a:p>
+          <a:p>
+            <a:pPr lvl="1"/>
+            <a:r>
+              <a:rPr lang="en-US" altLang="en-US" dirty="0"/>
+              <a:t>Fall = no expected frequency is computed as total – fall = Yes expected frequency</a:t>
+            </a:r>
+          </a:p>
+          <a:p>
+            <a:pPr lvl="1"/>
+            <a:endParaRPr lang="en-US" altLang="en-US" dirty="0"/>
+          </a:p>
+        </p:txBody>
+      </p:sp>
     </p:spTree>
     <p:extLst>
       <p:ext uri="{BB962C8B-B14F-4D97-AF65-F5344CB8AC3E}">
-        <p14:creationId xmlns:p14="http://schemas.microsoft.com/office/powerpoint/2010/main" val="3033583614"/>
+        <p14:creationId xmlns:p14="http://schemas.microsoft.com/office/powerpoint/2010/main" val="813939926"/>
       </p:ext>
     </p:extLst>
   </p:cSld>
@@ -20058,7 +20292,7 @@
       </p:grpSpPr>
       <p:sp>
         <p:nvSpPr>
-          <p:cNvPr id="37890" name="Rectangle 2"/>
+          <p:cNvPr id="36866" name="Rectangle 2"/>
           <p:cNvSpPr>
             <a:spLocks noGrp="1" noChangeArrowheads="1"/>
           </p:cNvSpPr>
@@ -20073,14 +20307,14 @@
           <a:p>
             <a:r>
               <a:rPr lang="en-US" altLang="en-US"/>
-              <a:t>Number and type of outcomes</a:t>
-            </a:r>
-          </a:p>
-        </p:txBody>
-      </p:sp>
-      <p:sp>
-        <p:nvSpPr>
-          <p:cNvPr id="37891" name="Rectangle 3"/>
+              <a:t>Test of individual predictors</a:t>
+            </a:r>
+          </a:p>
+        </p:txBody>
+      </p:sp>
+      <p:sp>
+        <p:nvSpPr>
+          <p:cNvPr id="36867" name="Rectangle 3"/>
           <p:cNvSpPr>
             <a:spLocks noGrp="1" noChangeArrowheads="1"/>
           </p:cNvSpPr>
@@ -20088,62 +20322,27 @@
             <p:ph sz="quarter" idx="13"/>
           </p:nvPr>
         </p:nvSpPr>
-        <p:spPr>
-          <a:xfrm>
-            <a:off x="685800" y="1600200"/>
-            <a:ext cx="10394707" cy="4038600"/>
-          </a:xfrm>
-        </p:spPr>
+        <p:spPr/>
         <p:txBody>
           <a:bodyPr/>
           <a:lstStyle/>
           <a:p>
             <a:r>
               <a:rPr lang="en-US" altLang="en-US" sz="2800" dirty="0"/>
-              <a:t>Logistic regression with more than two outcome categories</a:t>
-            </a:r>
-          </a:p>
-          <a:p>
-            <a:pPr lvl="1"/>
-            <a:r>
-              <a:rPr lang="en-US" altLang="en-US" sz="2400" dirty="0"/>
-              <a:t>If the response are ordered </a:t>
-            </a:r>
-            <a:r>
-              <a:rPr lang="en-US" altLang="en-US" sz="2400" dirty="0" err="1"/>
-              <a:t>polytomous</a:t>
-            </a:r>
-            <a:r>
-              <a:rPr lang="en-US" altLang="en-US" sz="2400" dirty="0"/>
-              <a:t> than k – 1 equations are made (k being the number of categories) which predicts the probability that a case is above a given category.  </a:t>
-            </a:r>
-          </a:p>
-          <a:p>
-            <a:pPr lvl="2"/>
-            <a:r>
-              <a:rPr lang="en-US" altLang="en-US" sz="2000" dirty="0"/>
-              <a:t>Defines thresholds – point in the data that separates category one form two, two from three, etc.</a:t>
-            </a:r>
-          </a:p>
-          <a:p>
-            <a:pPr lvl="2"/>
-            <a:r>
-              <a:rPr lang="en-US" altLang="en-US" sz="2000" dirty="0"/>
-              <a:t>Calculates the probability that a person passes a given threshold</a:t>
-            </a:r>
-          </a:p>
-          <a:p>
-            <a:pPr lvl="2"/>
-            <a:r>
-              <a:rPr lang="en-US" altLang="en-US" sz="2000" dirty="0"/>
-              <a:t>This is done for all categories except the last because the probability of being in a category above the highest is zero.</a:t>
-            </a:r>
-          </a:p>
-        </p:txBody>
-      </p:sp>
-      <p:sp>
-        <p:nvSpPr>
-          <p:cNvPr id="6" name="Slide Number Placeholder 5"/>
+              <a:t>The Wald test is usually used to assess the significance of prediction of each predictor</a:t>
+            </a:r>
+          </a:p>
+          <a:p>
+            <a:r>
+              <a:rPr lang="en-US" altLang="en-US" sz="2800" dirty="0"/>
+              <a:t>The Wald test is known to be overly conservative (increased type II error) and when a predictor is multinomial it does not give a test of the whole predictor but only the dummy coded versions of the predictor.</a:t>
+            </a:r>
+          </a:p>
+        </p:txBody>
+      </p:sp>
+      <p:sp>
+        <p:nvSpPr>
+          <p:cNvPr id="8" name="Slide Number Placeholder 7"/>
           <p:cNvSpPr>
             <a:spLocks noGrp="1"/>
           </p:cNvSpPr>
@@ -20168,7 +20367,7 @@
     </p:spTree>
     <p:extLst>
       <p:ext uri="{BB962C8B-B14F-4D97-AF65-F5344CB8AC3E}">
-        <p14:creationId xmlns:p14="http://schemas.microsoft.com/office/powerpoint/2010/main" val="3070274175"/>
+        <p14:creationId xmlns:p14="http://schemas.microsoft.com/office/powerpoint/2010/main" val="3033583614"/>
       </p:ext>
     </p:extLst>
   </p:cSld>
@@ -20197,7 +20396,7 @@
       </p:grpSpPr>
       <p:sp>
         <p:nvSpPr>
-          <p:cNvPr id="38914" name="Rectangle 2"/>
+          <p:cNvPr id="37890" name="Rectangle 2"/>
           <p:cNvSpPr>
             <a:spLocks noGrp="1" noChangeArrowheads="1"/>
           </p:cNvSpPr>
@@ -20219,7 +20418,7 @@
       </p:sp>
       <p:sp>
         <p:nvSpPr>
-          <p:cNvPr id="38915" name="Rectangle 3"/>
+          <p:cNvPr id="37891" name="Rectangle 3"/>
           <p:cNvSpPr>
             <a:spLocks noGrp="1" noChangeArrowheads="1"/>
           </p:cNvSpPr>
@@ -20229,8 +20428,8 @@
         </p:nvSpPr>
         <p:spPr>
           <a:xfrm>
-            <a:off x="685800" y="1676400"/>
-            <a:ext cx="10394707" cy="3962400"/>
+            <a:off x="685800" y="1600200"/>
+            <a:ext cx="10394707" cy="4038600"/>
           </a:xfrm>
         </p:spPr>
         <p:txBody>
@@ -20239,14 +20438,14 @@
           <a:p>
             <a:r>
               <a:rPr lang="en-US" altLang="en-US" sz="2800" dirty="0"/>
-              <a:t>If the responses are non-ordered multinomial than again k – 1 equations are created but the equations are predicting whether a person belongs to a category or not.  An equation is made for all categories except the last.</a:t>
+              <a:t>Logistic regression with more than two outcome categories</a:t>
             </a:r>
           </a:p>
           <a:p>
             <a:pPr lvl="1"/>
             <a:r>
               <a:rPr lang="en-US" altLang="en-US" sz="2400" dirty="0"/>
-              <a:t>SPSS ordinal (plum) is used for ordered </a:t>
+              <a:t>If the response are ordered </a:t>
             </a:r>
             <a:r>
               <a:rPr lang="en-US" altLang="en-US" sz="2400" dirty="0" err="1"/>
@@ -20254,15 +20453,28 @@
             </a:r>
             <a:r>
               <a:rPr lang="en-US" altLang="en-US" sz="2400" dirty="0"/>
-              <a:t> and SPSS multinomial (</a:t>
-            </a:r>
-            <a:r>
-              <a:rPr lang="en-US" altLang="en-US" sz="2400" dirty="0" err="1"/>
-              <a:t>nomreg</a:t>
-            </a:r>
-            <a:r>
-              <a:rPr lang="en-US" altLang="en-US" sz="2400" dirty="0"/>
-              <a:t>) is used for un-ordered multinomial data.</a:t>
+              <a:t> than k – 1 equations are made (k being the number of categories) which predicts the probability that a case is above a given category.  </a:t>
+            </a:r>
+          </a:p>
+          <a:p>
+            <a:pPr lvl="2"/>
+            <a:r>
+              <a:rPr lang="en-US" altLang="en-US" sz="2000" dirty="0"/>
+              <a:t>Defines thresholds – point in the data that separates category one form two, two from three, etc.</a:t>
+            </a:r>
+          </a:p>
+          <a:p>
+            <a:pPr lvl="2"/>
+            <a:r>
+              <a:rPr lang="en-US" altLang="en-US" sz="2000" dirty="0"/>
+              <a:t>Calculates the probability that a person passes a given threshold</a:t>
+            </a:r>
+          </a:p>
+          <a:p>
+            <a:pPr lvl="2"/>
+            <a:r>
+              <a:rPr lang="en-US" altLang="en-US" sz="2000" dirty="0"/>
+              <a:t>This is done for all categories except the last because the probability of being in a category above the highest is zero.</a:t>
             </a:r>
           </a:p>
         </p:txBody>
@@ -20294,7 +20506,7 @@
     </p:spTree>
     <p:extLst>
       <p:ext uri="{BB962C8B-B14F-4D97-AF65-F5344CB8AC3E}">
-        <p14:creationId xmlns:p14="http://schemas.microsoft.com/office/powerpoint/2010/main" val="4168150455"/>
+        <p14:creationId xmlns:p14="http://schemas.microsoft.com/office/powerpoint/2010/main" val="3070274175"/>
       </p:ext>
     </p:extLst>
   </p:cSld>
@@ -20323,7 +20535,7 @@
       </p:grpSpPr>
       <p:sp>
         <p:nvSpPr>
-          <p:cNvPr id="39938" name="Rectangle 2"/>
+          <p:cNvPr id="38914" name="Rectangle 2"/>
           <p:cNvSpPr>
             <a:spLocks noGrp="1" noChangeArrowheads="1"/>
           </p:cNvSpPr>
@@ -20333,28 +20545,19 @@
         </p:nvSpPr>
         <p:spPr/>
         <p:txBody>
-          <a:bodyPr>
-            <a:normAutofit fontScale="90000"/>
-          </a:bodyPr>
-          <a:lstStyle/>
-          <a:p>
-            <a:r>
-              <a:rPr lang="en-US" altLang="en-US" dirty="0"/>
-              <a:t>Strength of association </a:t>
-            </a:r>
-            <a:br>
-              <a:rPr lang="en-US" altLang="en-US" dirty="0"/>
-            </a:br>
-            <a:r>
-              <a:rPr lang="en-US" altLang="en-US" dirty="0"/>
-              <a:t>(pseudo R-square)</a:t>
-            </a:r>
-          </a:p>
-        </p:txBody>
-      </p:sp>
-      <p:sp>
-        <p:nvSpPr>
-          <p:cNvPr id="39939" name="Rectangle 3"/>
+          <a:bodyPr/>
+          <a:lstStyle/>
+          <a:p>
+            <a:r>
+              <a:rPr lang="en-US" altLang="en-US"/>
+              <a:t>Number and type of outcomes</a:t>
+            </a:r>
+          </a:p>
+        </p:txBody>
+      </p:sp>
+      <p:sp>
+        <p:nvSpPr>
+          <p:cNvPr id="38915" name="Rectangle 3"/>
           <p:cNvSpPr>
             <a:spLocks noGrp="1" noChangeArrowheads="1"/>
           </p:cNvSpPr>
@@ -20362,16 +20565,42 @@
             <p:ph sz="quarter" idx="13"/>
           </p:nvPr>
         </p:nvSpPr>
-        <p:spPr/>
-        <p:txBody>
-          <a:bodyPr>
-            <a:normAutofit lnSpcReduction="10000"/>
-          </a:bodyPr>
-          <a:lstStyle/>
-          <a:p>
-            <a:r>
-              <a:rPr lang="en-US" altLang="en-US"/>
-              <a:t>There are several measures intended to mimic the R-squared analysis, but none of them are an R-squared.  The interpretation is not the same, but they can be interpreted as an approximate variance in the outcome accounted for by the </a:t>
+        <p:spPr>
+          <a:xfrm>
+            <a:off x="685800" y="1676400"/>
+            <a:ext cx="10394707" cy="3962400"/>
+          </a:xfrm>
+        </p:spPr>
+        <p:txBody>
+          <a:bodyPr/>
+          <a:lstStyle/>
+          <a:p>
+            <a:r>
+              <a:rPr lang="en-US" altLang="en-US" sz="2800" dirty="0"/>
+              <a:t>If the responses are non-ordered multinomial than again k – 1 equations are created but the equations are predicting whether a person belongs to a category or not.  An equation is made for all categories except the last.</a:t>
+            </a:r>
+          </a:p>
+          <a:p>
+            <a:pPr lvl="1"/>
+            <a:r>
+              <a:rPr lang="en-US" altLang="en-US" sz="2400" dirty="0"/>
+              <a:t>SPSS ordinal (plum) is used for ordered </a:t>
+            </a:r>
+            <a:r>
+              <a:rPr lang="en-US" altLang="en-US" sz="2400" dirty="0" err="1"/>
+              <a:t>polytomous</a:t>
+            </a:r>
+            <a:r>
+              <a:rPr lang="en-US" altLang="en-US" sz="2400" dirty="0"/>
+              <a:t> and SPSS multinomial (</a:t>
+            </a:r>
+            <a:r>
+              <a:rPr lang="en-US" altLang="en-US" sz="2400" dirty="0" err="1"/>
+              <a:t>nomreg</a:t>
+            </a:r>
+            <a:r>
+              <a:rPr lang="en-US" altLang="en-US" sz="2400" dirty="0"/>
+              <a:t>) is used for un-ordered multinomial data.</a:t>
             </a:r>
           </a:p>
         </p:txBody>
@@ -20395,6 +20624,115 @@
               <a:rPr lang="en-US" altLang="en-US" smtClean="0"/>
               <a:pPr/>
               <a:t>66</a:t>
+            </a:fld>
+            <a:endParaRPr lang="en-US" altLang="en-US"/>
+          </a:p>
+        </p:txBody>
+      </p:sp>
+    </p:spTree>
+    <p:extLst>
+      <p:ext uri="{BB962C8B-B14F-4D97-AF65-F5344CB8AC3E}">
+        <p14:creationId xmlns:p14="http://schemas.microsoft.com/office/powerpoint/2010/main" val="4168150455"/>
+      </p:ext>
+    </p:extLst>
+  </p:cSld>
+  <p:clrMapOvr>
+    <a:masterClrMapping/>
+  </p:clrMapOvr>
+</p:sld>
+</file>
+
+<file path=ppt/slides/slide67.xml><?xml version="1.0" encoding="utf-8"?>
+<p:sld xmlns:a="http://schemas.openxmlformats.org/drawingml/2006/main" xmlns:r="http://schemas.openxmlformats.org/officeDocument/2006/relationships" xmlns:p="http://schemas.openxmlformats.org/presentationml/2006/main">
+  <p:cSld>
+    <p:spTree>
+      <p:nvGrpSpPr>
+        <p:cNvPr id="1" name=""/>
+        <p:cNvGrpSpPr/>
+        <p:nvPr/>
+      </p:nvGrpSpPr>
+      <p:grpSpPr>
+        <a:xfrm>
+          <a:off x="0" y="0"/>
+          <a:ext cx="0" cy="0"/>
+          <a:chOff x="0" y="0"/>
+          <a:chExt cx="0" cy="0"/>
+        </a:xfrm>
+      </p:grpSpPr>
+      <p:sp>
+        <p:nvSpPr>
+          <p:cNvPr id="39938" name="Rectangle 2"/>
+          <p:cNvSpPr>
+            <a:spLocks noGrp="1" noChangeArrowheads="1"/>
+          </p:cNvSpPr>
+          <p:nvPr>
+            <p:ph type="title"/>
+          </p:nvPr>
+        </p:nvSpPr>
+        <p:spPr/>
+        <p:txBody>
+          <a:bodyPr>
+            <a:normAutofit fontScale="90000"/>
+          </a:bodyPr>
+          <a:lstStyle/>
+          <a:p>
+            <a:r>
+              <a:rPr lang="en-US" altLang="en-US" dirty="0"/>
+              <a:t>Strength of association </a:t>
+            </a:r>
+            <a:br>
+              <a:rPr lang="en-US" altLang="en-US" dirty="0"/>
+            </a:br>
+            <a:r>
+              <a:rPr lang="en-US" altLang="en-US" dirty="0"/>
+              <a:t>(pseudo R-square)</a:t>
+            </a:r>
+          </a:p>
+        </p:txBody>
+      </p:sp>
+      <p:sp>
+        <p:nvSpPr>
+          <p:cNvPr id="39939" name="Rectangle 3"/>
+          <p:cNvSpPr>
+            <a:spLocks noGrp="1" noChangeArrowheads="1"/>
+          </p:cNvSpPr>
+          <p:nvPr>
+            <p:ph sz="quarter" idx="13"/>
+          </p:nvPr>
+        </p:nvSpPr>
+        <p:spPr/>
+        <p:txBody>
+          <a:bodyPr>
+            <a:normAutofit lnSpcReduction="10000"/>
+          </a:bodyPr>
+          <a:lstStyle/>
+          <a:p>
+            <a:r>
+              <a:rPr lang="en-US" altLang="en-US"/>
+              <a:t>There are several measures intended to mimic the R-squared analysis, but none of them are an R-squared.  The interpretation is not the same, but they can be interpreted as an approximate variance in the outcome accounted for by the </a:t>
+            </a:r>
+          </a:p>
+        </p:txBody>
+      </p:sp>
+      <p:sp>
+        <p:nvSpPr>
+          <p:cNvPr id="6" name="Slide Number Placeholder 5"/>
+          <p:cNvSpPr>
+            <a:spLocks noGrp="1"/>
+          </p:cNvSpPr>
+          <p:nvPr>
+            <p:ph type="sldNum" sz="quarter" idx="12"/>
+          </p:nvPr>
+        </p:nvSpPr>
+        <p:spPr/>
+        <p:txBody>
+          <a:bodyPr/>
+          <a:lstStyle/>
+          <a:p>
+            <a:fld id="{69683EBA-EAF2-4603-AF7F-D610100756F9}" type="slidenum">
+              <a:rPr lang="en-US" altLang="en-US" smtClean="0"/>
+              <a:pPr/>
+              <a:t>67</a:t>
             </a:fld>
             <a:endParaRPr lang="en-US" altLang="en-US"/>
           </a:p>
@@ -20413,7 +20751,7 @@
 </p:sld>
 </file>
 
-<file path=ppt/slides/slide67.xml><?xml version="1.0" encoding="utf-8"?>
+<file path=ppt/slides/slide68.xml><?xml version="1.0" encoding="utf-8"?>
 <p:sld xmlns:a="http://schemas.openxmlformats.org/drawingml/2006/main" xmlns:r="http://schemas.openxmlformats.org/officeDocument/2006/relationships" xmlns:p="http://schemas.openxmlformats.org/presentationml/2006/main" showMasterPhAnim="0">
   <p:cSld>
     <p:spTree>
@@ -20506,7 +20844,7 @@
           <a:graphicData uri="http://schemas.openxmlformats.org/presentationml/2006/ole">
             <mc:AlternateContent xmlns:mc="http://schemas.openxmlformats.org/markup-compatibility/2006">
               <mc:Choice xmlns:v="urn:schemas-microsoft-com:vml" Requires="v">
-                <p:oleObj spid="_x0000_s57349" name="Equation" r:id="rId3" imgW="965200" imgH="419100" progId="Equation.DSMT4">
+                <p:oleObj spid="_x0000_s57351" name="Equation" r:id="rId3" imgW="965200" imgH="419100" progId="Equation.DSMT4">
                   <p:embed/>
                 </p:oleObj>
               </mc:Choice>
@@ -20578,7 +20916,7 @@
             <a:fld id="{69683EBA-EAF2-4603-AF7F-D610100756F9}" type="slidenum">
               <a:rPr lang="en-US" altLang="en-US" smtClean="0"/>
               <a:pPr/>
-              <a:t>67</a:t>
+              <a:t>68</a:t>
             </a:fld>
             <a:endParaRPr lang="en-US" altLang="en-US"/>
           </a:p>
@@ -20597,7 +20935,7 @@
 </p:sld>
 </file>
 
-<file path=ppt/slides/slide68.xml><?xml version="1.0" encoding="utf-8"?>
+<file path=ppt/slides/slide69.xml><?xml version="1.0" encoding="utf-8"?>
 <p:sld xmlns:a="http://schemas.openxmlformats.org/drawingml/2006/main" xmlns:r="http://schemas.openxmlformats.org/officeDocument/2006/relationships" xmlns:p="http://schemas.openxmlformats.org/presentationml/2006/main" showMasterPhAnim="0">
   <p:cSld>
     <p:spTree>
@@ -20697,7 +21035,7 @@
           <a:graphicData uri="http://schemas.openxmlformats.org/presentationml/2006/ole">
             <mc:AlternateContent xmlns:mc="http://schemas.openxmlformats.org/markup-compatibility/2006">
               <mc:Choice xmlns:v="urn:schemas-microsoft-com:vml" Requires="v">
-                <p:oleObj spid="_x0000_s58373" name="Equation" r:id="rId3" imgW="2171700" imgH="431800" progId="Equation.DSMT4">
+                <p:oleObj spid="_x0000_s58375" name="Equation" r:id="rId3" imgW="2171700" imgH="431800" progId="Equation.DSMT4">
                   <p:embed/>
                 </p:oleObj>
               </mc:Choice>
@@ -20769,7 +21107,7 @@
             <a:fld id="{69683EBA-EAF2-4603-AF7F-D610100756F9}" type="slidenum">
               <a:rPr lang="en-US" altLang="en-US" smtClean="0"/>
               <a:pPr/>
-              <a:t>68</a:t>
+              <a:t>69</a:t>
             </a:fld>
             <a:endParaRPr lang="en-US" altLang="en-US"/>
           </a:p>
@@ -20788,7 +21126,131 @@
 </p:sld>
 </file>
 
-<file path=ppt/slides/slide69.xml><?xml version="1.0" encoding="utf-8"?>
+<file path=ppt/slides/slide7.xml><?xml version="1.0" encoding="utf-8"?>
+<p:sld xmlns:a="http://schemas.openxmlformats.org/drawingml/2006/main" xmlns:r="http://schemas.openxmlformats.org/officeDocument/2006/relationships" xmlns:p="http://schemas.openxmlformats.org/presentationml/2006/main">
+  <p:cSld>
+    <p:spTree>
+      <p:nvGrpSpPr>
+        <p:cNvPr id="1" name=""/>
+        <p:cNvGrpSpPr/>
+        <p:nvPr/>
+      </p:nvGrpSpPr>
+      <p:grpSpPr>
+        <a:xfrm>
+          <a:off x="0" y="0"/>
+          <a:ext cx="0" cy="0"/>
+          <a:chOff x="0" y="0"/>
+          <a:chExt cx="0" cy="0"/>
+        </a:xfrm>
+      </p:grpSpPr>
+      <p:sp>
+        <p:nvSpPr>
+          <p:cNvPr id="11266" name="Rectangle 2"/>
+          <p:cNvSpPr>
+            <a:spLocks noGrp="1" noChangeArrowheads="1"/>
+          </p:cNvSpPr>
+          <p:nvPr>
+            <p:ph type="title"/>
+          </p:nvPr>
+        </p:nvSpPr>
+        <p:spPr/>
+        <p:txBody>
+          <a:bodyPr/>
+          <a:lstStyle/>
+          <a:p>
+            <a:r>
+              <a:rPr lang="en-US" altLang="en-US"/>
+              <a:t>Questions</a:t>
+            </a:r>
+          </a:p>
+        </p:txBody>
+      </p:sp>
+      <p:sp>
+        <p:nvSpPr>
+          <p:cNvPr id="11267" name="Rectangle 3"/>
+          <p:cNvSpPr>
+            <a:spLocks noGrp="1" noChangeArrowheads="1"/>
+          </p:cNvSpPr>
+          <p:nvPr>
+            <p:ph sz="quarter" idx="13"/>
+          </p:nvPr>
+        </p:nvSpPr>
+        <p:spPr/>
+        <p:txBody>
+          <a:bodyPr>
+            <a:normAutofit fontScale="77500" lnSpcReduction="20000"/>
+          </a:bodyPr>
+          <a:lstStyle/>
+          <a:p>
+            <a:pPr lvl="1"/>
+            <a:r>
+              <a:rPr lang="en-US" altLang="en-US"/>
+              <a:t>What is the prediction equation in the presence of covariates?</a:t>
+            </a:r>
+          </a:p>
+          <a:p>
+            <a:pPr lvl="1"/>
+            <a:r>
+              <a:rPr lang="en-US" altLang="en-US"/>
+              <a:t>Can prediction models be tested for relative fit to the data?</a:t>
+            </a:r>
+          </a:p>
+          <a:p>
+            <a:pPr lvl="2"/>
+            <a:r>
+              <a:rPr lang="en-US" altLang="en-US"/>
+              <a:t>So called “goodness of fit” statistics</a:t>
+            </a:r>
+          </a:p>
+          <a:p>
+            <a:pPr lvl="1"/>
+            <a:r>
+              <a:rPr lang="en-US" altLang="en-US"/>
+              <a:t>What is the strength of association between the outcome variable and a set of predictors?</a:t>
+            </a:r>
+          </a:p>
+          <a:p>
+            <a:pPr lvl="2"/>
+            <a:r>
+              <a:rPr lang="en-US" altLang="en-US"/>
+              <a:t>Often in model comparison you want non-significant differences so strength of association is reported for even non-significant effects.</a:t>
+            </a:r>
+          </a:p>
+        </p:txBody>
+      </p:sp>
+      <p:sp>
+        <p:nvSpPr>
+          <p:cNvPr id="6" name="Slide Number Placeholder 5"/>
+          <p:cNvSpPr>
+            <a:spLocks noGrp="1"/>
+          </p:cNvSpPr>
+          <p:nvPr>
+            <p:ph type="sldNum" sz="quarter" idx="12"/>
+          </p:nvPr>
+        </p:nvSpPr>
+        <p:spPr/>
+        <p:txBody>
+          <a:bodyPr/>
+          <a:lstStyle/>
+          <a:p>
+            <a:fld id="{D292AB11-8618-4D2E-836C-3E31BFC4364A}" type="slidenum">
+              <a:rPr lang="en-US" altLang="en-US" smtClean="0"/>
+              <a:pPr/>
+              <a:t>7</a:t>
+            </a:fld>
+            <a:endParaRPr lang="en-US" altLang="en-US"/>
+          </a:p>
+        </p:txBody>
+      </p:sp>
+    </p:spTree>
+  </p:cSld>
+  <p:clrMapOvr>
+    <a:masterClrMapping/>
+  </p:clrMapOvr>
+</p:sld>
+</file>
+
+<file path=ppt/slides/slide70.xml><?xml version="1.0" encoding="utf-8"?>
 <p:sld xmlns:a="http://schemas.openxmlformats.org/drawingml/2006/main" xmlns:r="http://schemas.openxmlformats.org/officeDocument/2006/relationships" xmlns:p="http://schemas.openxmlformats.org/presentationml/2006/main" showMasterPhAnim="0">
   <p:cSld>
     <p:spTree>
@@ -20952,7 +21414,7 @@
           <a:graphicData uri="http://schemas.openxmlformats.org/presentationml/2006/ole">
             <mc:AlternateContent xmlns:mc="http://schemas.openxmlformats.org/markup-compatibility/2006">
               <mc:Choice xmlns:v="urn:schemas-microsoft-com:vml" Requires="v">
-                <p:oleObj spid="_x0000_s59397" name="Equation" r:id="rId3" imgW="2882900" imgH="457200" progId="Equation.DSMT4">
+                <p:oleObj spid="_x0000_s59399" name="Equation" r:id="rId3" imgW="2882900" imgH="457200" progId="Equation.DSMT4">
                   <p:embed/>
                 </p:oleObj>
               </mc:Choice>
@@ -21015,7 +21477,7 @@
             <a:fld id="{69683EBA-EAF2-4603-AF7F-D610100756F9}" type="slidenum">
               <a:rPr lang="en-US" altLang="en-US" smtClean="0"/>
               <a:pPr/>
-              <a:t>69</a:t>
+              <a:t>70</a:t>
             </a:fld>
             <a:endParaRPr lang="en-US" altLang="en-US"/>
           </a:p>
@@ -21027,130 +21489,6 @@
         <p14:creationId xmlns:p14="http://schemas.microsoft.com/office/powerpoint/2010/main" val="182738460"/>
       </p:ext>
     </p:extLst>
-  </p:cSld>
-  <p:clrMapOvr>
-    <a:masterClrMapping/>
-  </p:clrMapOvr>
-</p:sld>
-</file>
-
-<file path=ppt/slides/slide7.xml><?xml version="1.0" encoding="utf-8"?>
-<p:sld xmlns:a="http://schemas.openxmlformats.org/drawingml/2006/main" xmlns:r="http://schemas.openxmlformats.org/officeDocument/2006/relationships" xmlns:p="http://schemas.openxmlformats.org/presentationml/2006/main">
-  <p:cSld>
-    <p:spTree>
-      <p:nvGrpSpPr>
-        <p:cNvPr id="1" name=""/>
-        <p:cNvGrpSpPr/>
-        <p:nvPr/>
-      </p:nvGrpSpPr>
-      <p:grpSpPr>
-        <a:xfrm>
-          <a:off x="0" y="0"/>
-          <a:ext cx="0" cy="0"/>
-          <a:chOff x="0" y="0"/>
-          <a:chExt cx="0" cy="0"/>
-        </a:xfrm>
-      </p:grpSpPr>
-      <p:sp>
-        <p:nvSpPr>
-          <p:cNvPr id="11266" name="Rectangle 2"/>
-          <p:cNvSpPr>
-            <a:spLocks noGrp="1" noChangeArrowheads="1"/>
-          </p:cNvSpPr>
-          <p:nvPr>
-            <p:ph type="title"/>
-          </p:nvPr>
-        </p:nvSpPr>
-        <p:spPr/>
-        <p:txBody>
-          <a:bodyPr/>
-          <a:lstStyle/>
-          <a:p>
-            <a:r>
-              <a:rPr lang="en-US" altLang="en-US"/>
-              <a:t>Questions</a:t>
-            </a:r>
-          </a:p>
-        </p:txBody>
-      </p:sp>
-      <p:sp>
-        <p:nvSpPr>
-          <p:cNvPr id="11267" name="Rectangle 3"/>
-          <p:cNvSpPr>
-            <a:spLocks noGrp="1" noChangeArrowheads="1"/>
-          </p:cNvSpPr>
-          <p:nvPr>
-            <p:ph sz="quarter" idx="13"/>
-          </p:nvPr>
-        </p:nvSpPr>
-        <p:spPr/>
-        <p:txBody>
-          <a:bodyPr>
-            <a:normAutofit fontScale="77500" lnSpcReduction="20000"/>
-          </a:bodyPr>
-          <a:lstStyle/>
-          <a:p>
-            <a:pPr lvl="1"/>
-            <a:r>
-              <a:rPr lang="en-US" altLang="en-US"/>
-              <a:t>What is the prediction equation in the presence of covariates?</a:t>
-            </a:r>
-          </a:p>
-          <a:p>
-            <a:pPr lvl="1"/>
-            <a:r>
-              <a:rPr lang="en-US" altLang="en-US"/>
-              <a:t>Can prediction models be tested for relative fit to the data?</a:t>
-            </a:r>
-          </a:p>
-          <a:p>
-            <a:pPr lvl="2"/>
-            <a:r>
-              <a:rPr lang="en-US" altLang="en-US"/>
-              <a:t>So called “goodness of fit” statistics</a:t>
-            </a:r>
-          </a:p>
-          <a:p>
-            <a:pPr lvl="1"/>
-            <a:r>
-              <a:rPr lang="en-US" altLang="en-US"/>
-              <a:t>What is the strength of association between the outcome variable and a set of predictors?</a:t>
-            </a:r>
-          </a:p>
-          <a:p>
-            <a:pPr lvl="2"/>
-            <a:r>
-              <a:rPr lang="en-US" altLang="en-US"/>
-              <a:t>Often in model comparison you want non-significant differences so strength of association is reported for even non-significant effects.</a:t>
-            </a:r>
-          </a:p>
-        </p:txBody>
-      </p:sp>
-      <p:sp>
-        <p:nvSpPr>
-          <p:cNvPr id="6" name="Slide Number Placeholder 5"/>
-          <p:cNvSpPr>
-            <a:spLocks noGrp="1"/>
-          </p:cNvSpPr>
-          <p:nvPr>
-            <p:ph type="sldNum" sz="quarter" idx="12"/>
-          </p:nvPr>
-        </p:nvSpPr>
-        <p:spPr/>
-        <p:txBody>
-          <a:bodyPr/>
-          <a:lstStyle/>
-          <a:p>
-            <a:fld id="{D292AB11-8618-4D2E-836C-3E31BFC4364A}" type="slidenum">
-              <a:rPr lang="en-US" altLang="en-US" smtClean="0"/>
-              <a:pPr/>
-              <a:t>7</a:t>
-            </a:fld>
-            <a:endParaRPr lang="en-US" altLang="en-US"/>
-          </a:p>
-        </p:txBody>
-      </p:sp>
-    </p:spTree>
   </p:cSld>
   <p:clrMapOvr>
     <a:masterClrMapping/>

--- a/Slides/Psy524-11-Logistic Regression.pptx
+++ b/Slides/Psy524-11-Logistic Regression.pptx
@@ -307,7 +307,7 @@
           <a:p>
             <a:fld id="{AB04E12B-3817-4A3E-BF17-63CE9AB66363}" type="datetimeFigureOut">
               <a:rPr lang="en-US" smtClean="0"/>
-              <a:t>4/29/2019</a:t>
+              <a:t>5/1/2019</a:t>
             </a:fld>
             <a:endParaRPr lang="en-US"/>
           </a:p>
@@ -8073,7 +8073,7 @@
           <a:graphicData uri="http://schemas.openxmlformats.org/presentationml/2006/ole">
             <mc:AlternateContent xmlns:mc="http://schemas.openxmlformats.org/markup-compatibility/2006">
               <mc:Choice xmlns:v="urn:schemas-microsoft-com:vml" Requires="v">
-                <p:oleObj spid="_x0000_s49174" name="Worksheet" r:id="rId3" imgW="1581044" imgH="2104942" progId="Excel.Sheet.12">
+                <p:oleObj spid="_x0000_s49178" name="Worksheet" r:id="rId3" imgW="1581044" imgH="2104942" progId="Excel.Sheet.12">
                   <p:embed/>
                 </p:oleObj>
               </mc:Choice>
@@ -8130,7 +8130,7 @@
           <a:graphicData uri="http://schemas.openxmlformats.org/presentationml/2006/ole">
             <mc:AlternateContent xmlns:mc="http://schemas.openxmlformats.org/markup-compatibility/2006">
               <mc:Choice xmlns:v="urn:schemas-microsoft-com:vml" Requires="v">
-                <p:oleObj spid="_x0000_s49175" name="Worksheet" r:id="rId5" imgW="1619375" imgH="1914639" progId="Excel.Sheet.12">
+                <p:oleObj spid="_x0000_s49179" name="Worksheet" r:id="rId5" imgW="1619375" imgH="1914639" progId="Excel.Sheet.12">
                   <p:embed/>
                 </p:oleObj>
               </mc:Choice>
@@ -12348,7 +12348,7 @@
           <a:graphicData uri="http://schemas.openxmlformats.org/presentationml/2006/ole">
             <mc:AlternateContent xmlns:mc="http://schemas.openxmlformats.org/markup-compatibility/2006">
               <mc:Choice xmlns:v="urn:schemas-microsoft-com:vml" Requires="v">
-                <p:oleObj spid="_x0000_s22545" name="Equation" r:id="rId3" imgW="1346200" imgH="228600" progId="Equation.DSMT4">
+                <p:oleObj spid="_x0000_s22547" name="Equation" r:id="rId3" imgW="1346200" imgH="228600" progId="Equation.DSMT4">
                   <p:embed/>
                 </p:oleObj>
               </mc:Choice>
@@ -12531,7 +12531,7 @@
           <a:graphicData uri="http://schemas.openxmlformats.org/presentationml/2006/ole">
             <mc:AlternateContent xmlns:mc="http://schemas.openxmlformats.org/markup-compatibility/2006">
               <mc:Choice xmlns:v="urn:schemas-microsoft-com:vml" Requires="v">
-                <p:oleObj spid="_x0000_s23581" name="Equation" r:id="rId3" imgW="1295400" imgH="254000" progId="Equation.DSMT4">
+                <p:oleObj spid="_x0000_s23585" name="Equation" r:id="rId3" imgW="1295400" imgH="254000" progId="Equation.DSMT4">
                   <p:embed/>
                 </p:oleObj>
               </mc:Choice>
@@ -12861,7 +12861,7 @@
           <a:graphicData uri="http://schemas.openxmlformats.org/presentationml/2006/ole">
             <mc:AlternateContent xmlns:mc="http://schemas.openxmlformats.org/markup-compatibility/2006">
               <mc:Choice xmlns:v="urn:schemas-microsoft-com:vml" Requires="v">
-                <p:oleObj spid="_x0000_s23582" name="Equation" r:id="rId5" imgW="1091726" imgH="241195" progId="Equation.DSMT4">
+                <p:oleObj spid="_x0000_s23586" name="Equation" r:id="rId5" imgW="1091726" imgH="241195" progId="Equation.DSMT4">
                   <p:embed/>
                 </p:oleObj>
               </mc:Choice>
@@ -13103,7 +13103,7 @@
           <a:graphicData uri="http://schemas.openxmlformats.org/presentationml/2006/ole">
             <mc:AlternateContent xmlns:mc="http://schemas.openxmlformats.org/markup-compatibility/2006">
               <mc:Choice xmlns:v="urn:schemas-microsoft-com:vml" Requires="v">
-                <p:oleObj spid="_x0000_s24613" name="Equation" r:id="rId3" imgW="368140" imgH="203112" progId="Equation.DSMT4">
+                <p:oleObj spid="_x0000_s24619" name="Equation" r:id="rId3" imgW="368140" imgH="203112" progId="Equation.DSMT4">
                   <p:embed/>
                 </p:oleObj>
               </mc:Choice>
@@ -13239,7 +13239,7 @@
           <a:graphicData uri="http://schemas.openxmlformats.org/presentationml/2006/ole">
             <mc:AlternateContent xmlns:mc="http://schemas.openxmlformats.org/markup-compatibility/2006">
               <mc:Choice xmlns:v="urn:schemas-microsoft-com:vml" Requires="v">
-                <p:oleObj spid="_x0000_s24614" name="Equation" r:id="rId5" imgW="317087" imgH="177569" progId="Equation.DSMT4">
+                <p:oleObj spid="_x0000_s24620" name="Equation" r:id="rId5" imgW="317087" imgH="177569" progId="Equation.DSMT4">
                   <p:embed/>
                 </p:oleObj>
               </mc:Choice>
@@ -13375,7 +13375,7 @@
           <a:graphicData uri="http://schemas.openxmlformats.org/presentationml/2006/ole">
             <mc:AlternateContent xmlns:mc="http://schemas.openxmlformats.org/markup-compatibility/2006">
               <mc:Choice xmlns:v="urn:schemas-microsoft-com:vml" Requires="v">
-                <p:oleObj spid="_x0000_s24615" name="Equation" r:id="rId7" imgW="355138" imgH="177569" progId="Equation.DSMT4">
+                <p:oleObj spid="_x0000_s24621" name="Equation" r:id="rId7" imgW="355138" imgH="177569" progId="Equation.DSMT4">
                   <p:embed/>
                 </p:oleObj>
               </mc:Choice>
@@ -14013,7 +14013,7 @@
           <a:graphicData uri="http://schemas.openxmlformats.org/presentationml/2006/ole">
             <mc:AlternateContent xmlns:mc="http://schemas.openxmlformats.org/markup-compatibility/2006">
               <mc:Choice xmlns:v="urn:schemas-microsoft-com:vml" Requires="v">
-                <p:oleObj spid="_x0000_s31770" name="Equation" r:id="rId3" imgW="647700" imgH="419100" progId="Equation.DSMT4">
+                <p:oleObj spid="_x0000_s31774" name="Equation" r:id="rId3" imgW="647700" imgH="419100" progId="Equation.DSMT4">
                   <p:embed/>
                 </p:oleObj>
               </mc:Choice>
@@ -14149,7 +14149,7 @@
           <a:graphicData uri="http://schemas.openxmlformats.org/presentationml/2006/ole">
             <mc:AlternateContent xmlns:mc="http://schemas.openxmlformats.org/markup-compatibility/2006">
               <mc:Choice xmlns:v="urn:schemas-microsoft-com:vml" Requires="v">
-                <p:oleObj spid="_x0000_s31771" name="Equation" r:id="rId5" imgW="2044700" imgH="228600" progId="Equation.DSMT4">
+                <p:oleObj spid="_x0000_s31775" name="Equation" r:id="rId5" imgW="2044700" imgH="228600" progId="Equation.DSMT4">
                   <p:embed/>
                 </p:oleObj>
               </mc:Choice>
@@ -14459,7 +14459,7 @@
           <a:graphicData uri="http://schemas.openxmlformats.org/presentationml/2006/ole">
             <mc:AlternateContent xmlns:mc="http://schemas.openxmlformats.org/markup-compatibility/2006">
               <mc:Choice xmlns:v="urn:schemas-microsoft-com:vml" Requires="v">
-                <p:oleObj spid="_x0000_s32783" name="Equation" r:id="rId3" imgW="927100" imgH="419100" progId="Equation.DSMT4">
+                <p:oleObj spid="_x0000_s32785" name="Equation" r:id="rId3" imgW="927100" imgH="419100" progId="Equation.DSMT4">
                   <p:embed/>
                 </p:oleObj>
               </mc:Choice>
@@ -14975,7 +14975,7 @@
           <a:graphicData uri="http://schemas.openxmlformats.org/presentationml/2006/ole">
             <mc:AlternateContent xmlns:mc="http://schemas.openxmlformats.org/markup-compatibility/2006">
               <mc:Choice xmlns:v="urn:schemas-microsoft-com:vml" Requires="v">
-                <p:oleObj spid="_x0000_s35856" name="Equation" r:id="rId3" imgW="279279" imgH="431613" progId="Equation.DSMT4">
+                <p:oleObj spid="_x0000_s35858" name="Equation" r:id="rId3" imgW="279279" imgH="431613" progId="Equation.DSMT4">
                   <p:embed/>
                 </p:oleObj>
               </mc:Choice>
@@ -15512,7 +15512,7 @@
           <a:graphicData uri="http://schemas.openxmlformats.org/presentationml/2006/ole">
             <mc:AlternateContent xmlns:mc="http://schemas.openxmlformats.org/markup-compatibility/2006">
               <mc:Choice xmlns:v="urn:schemas-microsoft-com:vml" Requires="v">
-                <p:oleObj spid="_x0000_s40974" name="Equation" r:id="rId3" imgW="2971800" imgH="482600" progId="Equation.DSMT4">
+                <p:oleObj spid="_x0000_s40976" name="Equation" r:id="rId3" imgW="2971800" imgH="482600" progId="Equation.DSMT4">
                   <p:embed/>
                 </p:oleObj>
               </mc:Choice>
@@ -15847,7 +15847,7 @@
           <a:graphicData uri="http://schemas.openxmlformats.org/presentationml/2006/ole">
             <mc:AlternateContent xmlns:mc="http://schemas.openxmlformats.org/markup-compatibility/2006">
               <mc:Choice xmlns:v="urn:schemas-microsoft-com:vml" Requires="v">
-                <p:oleObj spid="_x0000_s43023" name="Equation" r:id="rId3" imgW="2844800" imgH="457200" progId="Equation.DSMT4">
+                <p:oleObj spid="_x0000_s43025" name="Equation" r:id="rId3" imgW="2844800" imgH="457200" progId="Equation.DSMT4">
                   <p:embed/>
                 </p:oleObj>
               </mc:Choice>
@@ -16154,7 +16154,7 @@
           <a:graphicData uri="http://schemas.openxmlformats.org/presentationml/2006/ole">
             <mc:AlternateContent xmlns:mc="http://schemas.openxmlformats.org/markup-compatibility/2006">
               <mc:Choice xmlns:v="urn:schemas-microsoft-com:vml" Requires="v">
-                <p:oleObj spid="_x0000_s44046" name="Equation" r:id="rId3" imgW="2413000" imgH="457200" progId="Equation.DSMT4">
+                <p:oleObj spid="_x0000_s44048" name="Equation" r:id="rId3" imgW="2413000" imgH="457200" progId="Equation.DSMT4">
                   <p:embed/>
                 </p:oleObj>
               </mc:Choice>
@@ -16783,7 +16783,7 @@
           <a:graphicData uri="http://schemas.openxmlformats.org/presentationml/2006/ole">
             <mc:AlternateContent xmlns:mc="http://schemas.openxmlformats.org/markup-compatibility/2006">
               <mc:Choice xmlns:v="urn:schemas-microsoft-com:vml" Requires="v">
-                <p:oleObj spid="_x0000_s50183" name="Equation" r:id="rId3" imgW="1422400" imgH="419100" progId="Equation.DSMT4">
+                <p:oleObj spid="_x0000_s50185" name="Equation" r:id="rId3" imgW="1422400" imgH="419100" progId="Equation.DSMT4">
                   <p:embed/>
                 </p:oleObj>
               </mc:Choice>
@@ -17522,7 +17522,7 @@
           <a:graphicData uri="http://schemas.openxmlformats.org/presentationml/2006/ole">
             <mc:AlternateContent xmlns:mc="http://schemas.openxmlformats.org/markup-compatibility/2006">
               <mc:Choice xmlns:v="urn:schemas-microsoft-com:vml" Requires="v">
-                <p:oleObj spid="_x0000_s51207" name="Equation" r:id="rId3" imgW="685502" imgH="495085" progId="Equation.DSMT4">
+                <p:oleObj spid="_x0000_s51209" name="Equation" r:id="rId3" imgW="685502" imgH="495085" progId="Equation.DSMT4">
                   <p:embed/>
                 </p:oleObj>
               </mc:Choice>
@@ -17670,7 +17670,7 @@
           <a:graphicData uri="http://schemas.openxmlformats.org/presentationml/2006/ole">
             <mc:AlternateContent xmlns:mc="http://schemas.openxmlformats.org/markup-compatibility/2006">
               <mc:Choice xmlns:v="urn:schemas-microsoft-com:vml" Requires="v">
-                <p:oleObj spid="_x0000_s52231" name="Worksheet" r:id="rId3" imgW="3676595" imgH="1209572" progId="Excel.Sheet.12">
+                <p:oleObj spid="_x0000_s52233" name="Worksheet" r:id="rId3" imgW="3676595" imgH="1209572" progId="Excel.Sheet.12">
                   <p:embed/>
                 </p:oleObj>
               </mc:Choice>
@@ -18360,7 +18360,7 @@
           <a:graphicData uri="http://schemas.openxmlformats.org/presentationml/2006/ole">
             <mc:AlternateContent xmlns:mc="http://schemas.openxmlformats.org/markup-compatibility/2006">
               <mc:Choice xmlns:v="urn:schemas-microsoft-com:vml" Requires="v">
-                <p:oleObj spid="_x0000_s53255" name="Equation" r:id="rId3" imgW="2908300" imgH="431800" progId="Equation.DSMT4">
+                <p:oleObj spid="_x0000_s53257" name="Equation" r:id="rId3" imgW="2908300" imgH="431800" progId="Equation.DSMT4">
                   <p:embed/>
                 </p:oleObj>
               </mc:Choice>
@@ -18526,7 +18526,7 @@
           <a:graphicData uri="http://schemas.openxmlformats.org/presentationml/2006/ole">
             <mc:AlternateContent xmlns:mc="http://schemas.openxmlformats.org/markup-compatibility/2006">
               <mc:Choice xmlns:v="urn:schemas-microsoft-com:vml" Requires="v">
-                <p:oleObj spid="_x0000_s54279" name="Equation" r:id="rId3" imgW="4737100" imgH="228600" progId="Equation.DSMT4">
+                <p:oleObj spid="_x0000_s54281" name="Equation" r:id="rId3" imgW="4737100" imgH="228600" progId="Equation.DSMT4">
                   <p:embed/>
                 </p:oleObj>
               </mc:Choice>
@@ -18819,7 +18819,7 @@
           <a:graphicData uri="http://schemas.openxmlformats.org/presentationml/2006/ole">
             <mc:AlternateContent xmlns:mc="http://schemas.openxmlformats.org/markup-compatibility/2006">
               <mc:Choice xmlns:v="urn:schemas-microsoft-com:vml" Requires="v">
-                <p:oleObj spid="_x0000_s55303" name="Worksheet" r:id="rId3" imgW="5257908" imgH="3648152" progId="Excel.Sheet.12">
+                <p:oleObj spid="_x0000_s55305" name="Worksheet" r:id="rId3" imgW="5257908" imgH="3648152" progId="Excel.Sheet.12">
                   <p:embed/>
                 </p:oleObj>
               </mc:Choice>
@@ -18902,7 +18902,7 @@
           <a:graphicData uri="http://schemas.openxmlformats.org/presentationml/2006/ole">
             <mc:AlternateContent xmlns:mc="http://schemas.openxmlformats.org/markup-compatibility/2006">
               <mc:Choice xmlns:v="urn:schemas-microsoft-com:vml" Requires="v">
-                <p:oleObj spid="_x0000_s56327" name="Worksheet" r:id="rId3" imgW="6905627" imgH="3648152" progId="Excel.Sheet.12">
+                <p:oleObj spid="_x0000_s56329" name="Worksheet" r:id="rId3" imgW="6905627" imgH="3648152" progId="Excel.Sheet.12">
                   <p:embed/>
                 </p:oleObj>
               </mc:Choice>
@@ -20045,7 +20045,7 @@
                 <a:pPr lvl="2"/>
                 <a:r>
                   <a:rPr lang="en-US" altLang="en-US" sz="1600" dirty="0"/>
-                  <a:t>Fit is indicated by a non-significant chi-square with df = #group – 2 (typically 8 if using 10 groups</a:t>
+                  <a:t>Fit is indicated by a non-significant chi-square with df = #group – 2 (typically 8 if using 10 groups)</a:t>
                 </a:r>
               </a:p>
               <a:p>
@@ -20700,16 +20700,21 @@
             <p:ph sz="quarter" idx="13"/>
           </p:nvPr>
         </p:nvSpPr>
-        <p:spPr/>
+        <p:spPr>
+          <a:xfrm>
+            <a:off x="685800" y="2063396"/>
+            <a:ext cx="10394707" cy="3575404"/>
+          </a:xfrm>
+        </p:spPr>
         <p:txBody>
           <a:bodyPr>
-            <a:normAutofit lnSpcReduction="10000"/>
+            <a:normAutofit fontScale="92500"/>
           </a:bodyPr>
           <a:lstStyle/>
           <a:p>
             <a:r>
-              <a:rPr lang="en-US" altLang="en-US"/>
-              <a:t>There are several measures intended to mimic the R-squared analysis, but none of them are an R-squared.  The interpretation is not the same, but they can be interpreted as an approximate variance in the outcome accounted for by the </a:t>
+              <a:rPr lang="en-US" altLang="en-US" dirty="0"/>
+              <a:t>There are several measures intended to mimic the R-squared analysis, but none of them are an R-squared.  The interpretation is not the same, but they can be interpreted as an approximate variance in the outcome accounted for by the model</a:t>
             </a:r>
           </a:p>
         </p:txBody>
@@ -20844,7 +20849,7 @@
           <a:graphicData uri="http://schemas.openxmlformats.org/presentationml/2006/ole">
             <mc:AlternateContent xmlns:mc="http://schemas.openxmlformats.org/markup-compatibility/2006">
               <mc:Choice xmlns:v="urn:schemas-microsoft-com:vml" Requires="v">
-                <p:oleObj spid="_x0000_s57351" name="Equation" r:id="rId3" imgW="965200" imgH="419100" progId="Equation.DSMT4">
+                <p:oleObj spid="_x0000_s57353" name="Equation" r:id="rId3" imgW="965200" imgH="419100" progId="Equation.DSMT4">
                   <p:embed/>
                 </p:oleObj>
               </mc:Choice>
@@ -21035,7 +21040,7 @@
           <a:graphicData uri="http://schemas.openxmlformats.org/presentationml/2006/ole">
             <mc:AlternateContent xmlns:mc="http://schemas.openxmlformats.org/markup-compatibility/2006">
               <mc:Choice xmlns:v="urn:schemas-microsoft-com:vml" Requires="v">
-                <p:oleObj spid="_x0000_s58375" name="Equation" r:id="rId3" imgW="2171700" imgH="431800" progId="Equation.DSMT4">
+                <p:oleObj spid="_x0000_s58377" name="Equation" r:id="rId3" imgW="2171700" imgH="431800" progId="Equation.DSMT4">
                   <p:embed/>
                 </p:oleObj>
               </mc:Choice>
@@ -21414,7 +21419,7 @@
           <a:graphicData uri="http://schemas.openxmlformats.org/presentationml/2006/ole">
             <mc:AlternateContent xmlns:mc="http://schemas.openxmlformats.org/markup-compatibility/2006">
               <mc:Choice xmlns:v="urn:schemas-microsoft-com:vml" Requires="v">
-                <p:oleObj spid="_x0000_s59399" name="Equation" r:id="rId3" imgW="2882900" imgH="457200" progId="Equation.DSMT4">
+                <p:oleObj spid="_x0000_s59401" name="Equation" r:id="rId3" imgW="2882900" imgH="457200" progId="Equation.DSMT4">
                   <p:embed/>
                 </p:oleObj>
               </mc:Choice>
